--- a/200325/2020.03.26.pptx
+++ b/200325/2020.03.26.pptx
@@ -2537,7 +2537,7 @@
           <a:p>
             <a:fld id="{F7232416-3236-4BEC-9F65-32C6B7F68842}" type="datetimeFigureOut">
               <a:rPr lang="ko-KR" altLang="en-US" smtClean="0"/>
-              <a:t>2020-03-25</a:t>
+              <a:t>2020-03-26</a:t>
             </a:fld>
             <a:endParaRPr lang="ko-KR" altLang="en-US"/>
           </a:p>
@@ -2735,7 +2735,7 @@
           <a:p>
             <a:fld id="{F7232416-3236-4BEC-9F65-32C6B7F68842}" type="datetimeFigureOut">
               <a:rPr lang="ko-KR" altLang="en-US" smtClean="0"/>
-              <a:t>2020-03-25</a:t>
+              <a:t>2020-03-26</a:t>
             </a:fld>
             <a:endParaRPr lang="ko-KR" altLang="en-US"/>
           </a:p>
@@ -2943,7 +2943,7 @@
           <a:p>
             <a:fld id="{F7232416-3236-4BEC-9F65-32C6B7F68842}" type="datetimeFigureOut">
               <a:rPr lang="ko-KR" altLang="en-US" smtClean="0"/>
-              <a:t>2020-03-25</a:t>
+              <a:t>2020-03-26</a:t>
             </a:fld>
             <a:endParaRPr lang="ko-KR" altLang="en-US"/>
           </a:p>
@@ -3141,7 +3141,7 @@
           <a:p>
             <a:fld id="{F7232416-3236-4BEC-9F65-32C6B7F68842}" type="datetimeFigureOut">
               <a:rPr lang="ko-KR" altLang="en-US" smtClean="0"/>
-              <a:t>2020-03-25</a:t>
+              <a:t>2020-03-26</a:t>
             </a:fld>
             <a:endParaRPr lang="ko-KR" altLang="en-US"/>
           </a:p>
@@ -3416,7 +3416,7 @@
           <a:p>
             <a:fld id="{F7232416-3236-4BEC-9F65-32C6B7F68842}" type="datetimeFigureOut">
               <a:rPr lang="ko-KR" altLang="en-US" smtClean="0"/>
-              <a:t>2020-03-25</a:t>
+              <a:t>2020-03-26</a:t>
             </a:fld>
             <a:endParaRPr lang="ko-KR" altLang="en-US"/>
           </a:p>
@@ -3681,7 +3681,7 @@
           <a:p>
             <a:fld id="{F7232416-3236-4BEC-9F65-32C6B7F68842}" type="datetimeFigureOut">
               <a:rPr lang="ko-KR" altLang="en-US" smtClean="0"/>
-              <a:t>2020-03-25</a:t>
+              <a:t>2020-03-26</a:t>
             </a:fld>
             <a:endParaRPr lang="ko-KR" altLang="en-US"/>
           </a:p>
@@ -4093,7 +4093,7 @@
           <a:p>
             <a:fld id="{F7232416-3236-4BEC-9F65-32C6B7F68842}" type="datetimeFigureOut">
               <a:rPr lang="ko-KR" altLang="en-US" smtClean="0"/>
-              <a:t>2020-03-25</a:t>
+              <a:t>2020-03-26</a:t>
             </a:fld>
             <a:endParaRPr lang="ko-KR" altLang="en-US"/>
           </a:p>
@@ -4234,7 +4234,7 @@
           <a:p>
             <a:fld id="{F7232416-3236-4BEC-9F65-32C6B7F68842}" type="datetimeFigureOut">
               <a:rPr lang="ko-KR" altLang="en-US" smtClean="0"/>
-              <a:t>2020-03-25</a:t>
+              <a:t>2020-03-26</a:t>
             </a:fld>
             <a:endParaRPr lang="ko-KR" altLang="en-US"/>
           </a:p>
@@ -4347,7 +4347,7 @@
           <a:p>
             <a:fld id="{F7232416-3236-4BEC-9F65-32C6B7F68842}" type="datetimeFigureOut">
               <a:rPr lang="ko-KR" altLang="en-US" smtClean="0"/>
-              <a:t>2020-03-25</a:t>
+              <a:t>2020-03-26</a:t>
             </a:fld>
             <a:endParaRPr lang="ko-KR" altLang="en-US"/>
           </a:p>
@@ -4658,7 +4658,7 @@
           <a:p>
             <a:fld id="{F7232416-3236-4BEC-9F65-32C6B7F68842}" type="datetimeFigureOut">
               <a:rPr lang="ko-KR" altLang="en-US" smtClean="0"/>
-              <a:t>2020-03-25</a:t>
+              <a:t>2020-03-26</a:t>
             </a:fld>
             <a:endParaRPr lang="ko-KR" altLang="en-US"/>
           </a:p>
@@ -4946,7 +4946,7 @@
           <a:p>
             <a:fld id="{F7232416-3236-4BEC-9F65-32C6B7F68842}" type="datetimeFigureOut">
               <a:rPr lang="ko-KR" altLang="en-US" smtClean="0"/>
-              <a:t>2020-03-25</a:t>
+              <a:t>2020-03-26</a:t>
             </a:fld>
             <a:endParaRPr lang="ko-KR" altLang="en-US"/>
           </a:p>
@@ -5187,7 +5187,7 @@
           <a:p>
             <a:fld id="{F7232416-3236-4BEC-9F65-32C6B7F68842}" type="datetimeFigureOut">
               <a:rPr lang="ko-KR" altLang="en-US" smtClean="0"/>
-              <a:t>2020-03-25</a:t>
+              <a:t>2020-03-26</a:t>
             </a:fld>
             <a:endParaRPr lang="ko-KR" altLang="en-US"/>
           </a:p>
@@ -5618,8 +5618,8 @@
         </p:nvSpPr>
         <p:spPr>
           <a:xfrm>
-            <a:off x="4382219" y="1966823"/>
-            <a:ext cx="3392051" cy="3424686"/>
+            <a:off x="4382219" y="1549799"/>
+            <a:ext cx="3392051" cy="3841710"/>
           </a:xfrm>
           <a:prstGeom prst="rect">
             <a:avLst/>
@@ -5666,8 +5666,8 @@
         </p:nvSpPr>
         <p:spPr>
           <a:xfrm>
-            <a:off x="4510087" y="3376027"/>
-            <a:ext cx="3171825" cy="451118"/>
+            <a:off x="4510087" y="3194876"/>
+            <a:ext cx="3171825" cy="412870"/>
           </a:xfrm>
           <a:prstGeom prst="rect">
             <a:avLst/>
@@ -5687,7 +5687,7 @@
               <a:defRPr/>
             </a:pPr>
             <a:r>
-              <a:rPr lang="ko-KR" altLang="en-US" sz="2000">
+              <a:rPr lang="ko-KR" altLang="en-US" sz="2000" dirty="0">
                 <a:ln w="9525">
                   <a:solidFill>
                     <a:schemeClr val="accent1">
@@ -5735,7 +5735,7 @@
               <a:defRPr/>
             </a:pPr>
             <a:r>
-              <a:rPr lang="ko-KR" altLang="en-US" sz="1200">
+              <a:rPr lang="ko-KR" altLang="en-US" sz="1200" dirty="0">
                 <a:ln w="9525">
                   <a:solidFill>
                     <a:schemeClr val="accent1">
@@ -5764,7 +5764,7 @@
     <mc:Choice Requires="p14">
       <p:transition/>
     </mc:Choice>
-    <mc:Fallback xmlns:dsp="http://schemas.microsoft.com/office/drawing/2008/diagram" xmlns:dgm="http://schemas.openxmlformats.org/drawingml/2006/diagram" xmlns:c="http://schemas.openxmlformats.org/drawingml/2006/chart" xmlns="">
+    <mc:Fallback xmlns="" xmlns:c="http://schemas.openxmlformats.org/drawingml/2006/chart" xmlns:dgm="http://schemas.openxmlformats.org/drawingml/2006/diagram" xmlns:dsp="http://schemas.microsoft.com/office/drawing/2008/diagram">
       <p:transition/>
     </mc:Fallback>
   </mc:AlternateContent>
@@ -6946,7 +6946,7 @@
     <mc:Choice Requires="p14">
       <p:transition/>
     </mc:Choice>
-    <mc:Fallback xmlns:dsp="http://schemas.microsoft.com/office/drawing/2008/diagram" xmlns:dgm="http://schemas.openxmlformats.org/drawingml/2006/diagram" xmlns:c="http://schemas.openxmlformats.org/drawingml/2006/chart" xmlns="">
+    <mc:Fallback xmlns="" xmlns:c="http://schemas.openxmlformats.org/drawingml/2006/chart" xmlns:dgm="http://schemas.openxmlformats.org/drawingml/2006/diagram" xmlns:dsp="http://schemas.microsoft.com/office/drawing/2008/diagram">
       <p:transition/>
     </mc:Fallback>
   </mc:AlternateContent>
@@ -7875,7 +7875,7 @@
     <mc:Choice Requires="p14">
       <p:transition/>
     </mc:Choice>
-    <mc:Fallback xmlns:dsp="http://schemas.microsoft.com/office/drawing/2008/diagram" xmlns:dgm="http://schemas.openxmlformats.org/drawingml/2006/diagram" xmlns:c="http://schemas.openxmlformats.org/drawingml/2006/chart" xmlns="">
+    <mc:Fallback xmlns="" xmlns:c="http://schemas.openxmlformats.org/drawingml/2006/chart" xmlns:dgm="http://schemas.openxmlformats.org/drawingml/2006/diagram" xmlns:dsp="http://schemas.microsoft.com/office/drawing/2008/diagram">
       <p:transition/>
     </mc:Fallback>
   </mc:AlternateContent>
@@ -8609,7 +8609,7 @@
     <mc:Choice Requires="p14">
       <p:transition/>
     </mc:Choice>
-    <mc:Fallback xmlns:dsp="http://schemas.microsoft.com/office/drawing/2008/diagram" xmlns:dgm="http://schemas.openxmlformats.org/drawingml/2006/diagram" xmlns:c="http://schemas.openxmlformats.org/drawingml/2006/chart" xmlns="">
+    <mc:Fallback xmlns="" xmlns:c="http://schemas.openxmlformats.org/drawingml/2006/chart" xmlns:dgm="http://schemas.openxmlformats.org/drawingml/2006/diagram" xmlns:dsp="http://schemas.microsoft.com/office/drawing/2008/diagram">
       <p:transition/>
     </mc:Fallback>
   </mc:AlternateContent>
@@ -9166,7 +9166,7 @@
     <mc:Choice Requires="p14">
       <p:transition/>
     </mc:Choice>
-    <mc:Fallback xmlns:dsp="http://schemas.microsoft.com/office/drawing/2008/diagram" xmlns:dgm="http://schemas.openxmlformats.org/drawingml/2006/diagram" xmlns:c="http://schemas.openxmlformats.org/drawingml/2006/chart" xmlns="">
+    <mc:Fallback xmlns="" xmlns:c="http://schemas.openxmlformats.org/drawingml/2006/chart" xmlns:dgm="http://schemas.openxmlformats.org/drawingml/2006/diagram" xmlns:dsp="http://schemas.microsoft.com/office/drawing/2008/diagram">
       <p:transition/>
     </mc:Fallback>
   </mc:AlternateContent>
@@ -9689,7 +9689,7 @@
     <mc:Choice Requires="p14">
       <p:transition/>
     </mc:Choice>
-    <mc:Fallback xmlns:dsp="http://schemas.microsoft.com/office/drawing/2008/diagram" xmlns:dgm="http://schemas.openxmlformats.org/drawingml/2006/diagram" xmlns:c="http://schemas.openxmlformats.org/drawingml/2006/chart" xmlns="">
+    <mc:Fallback xmlns="" xmlns:c="http://schemas.openxmlformats.org/drawingml/2006/chart" xmlns:dgm="http://schemas.openxmlformats.org/drawingml/2006/diagram" xmlns:dsp="http://schemas.microsoft.com/office/drawing/2008/diagram">
       <p:transition/>
     </mc:Fallback>
   </mc:AlternateContent>
@@ -10195,7 +10195,7 @@
     <mc:Choice Requires="p14">
       <p:transition/>
     </mc:Choice>
-    <mc:Fallback xmlns:dsp="http://schemas.microsoft.com/office/drawing/2008/diagram" xmlns:dgm="http://schemas.openxmlformats.org/drawingml/2006/diagram" xmlns:c="http://schemas.openxmlformats.org/drawingml/2006/chart" xmlns="">
+    <mc:Fallback xmlns="" xmlns:c="http://schemas.openxmlformats.org/drawingml/2006/chart" xmlns:dgm="http://schemas.openxmlformats.org/drawingml/2006/diagram" xmlns:dsp="http://schemas.microsoft.com/office/drawing/2008/diagram">
       <p:transition/>
     </mc:Fallback>
   </mc:AlternateContent>
@@ -10459,7 +10459,7 @@
     <mc:Choice Requires="p14">
       <p:transition/>
     </mc:Choice>
-    <mc:Fallback xmlns:dsp="http://schemas.microsoft.com/office/drawing/2008/diagram" xmlns:dgm="http://schemas.openxmlformats.org/drawingml/2006/diagram" xmlns:c="http://schemas.openxmlformats.org/drawingml/2006/chart" xmlns="">
+    <mc:Fallback xmlns="" xmlns:c="http://schemas.openxmlformats.org/drawingml/2006/chart" xmlns:dgm="http://schemas.openxmlformats.org/drawingml/2006/diagram" xmlns:dsp="http://schemas.microsoft.com/office/drawing/2008/diagram">
       <p:transition/>
     </mc:Fallback>
   </mc:AlternateContent>
@@ -11217,7 +11217,7 @@
     <mc:Choice Requires="p14">
       <p:transition/>
     </mc:Choice>
-    <mc:Fallback xmlns:dsp="http://schemas.microsoft.com/office/drawing/2008/diagram" xmlns:dgm="http://schemas.openxmlformats.org/drawingml/2006/diagram" xmlns:c="http://schemas.openxmlformats.org/drawingml/2006/chart" xmlns="">
+    <mc:Fallback xmlns="" xmlns:c="http://schemas.openxmlformats.org/drawingml/2006/chart" xmlns:dgm="http://schemas.openxmlformats.org/drawingml/2006/diagram" xmlns:dsp="http://schemas.microsoft.com/office/drawing/2008/diagram">
       <p:transition/>
     </mc:Fallback>
   </mc:AlternateContent>
@@ -11846,7 +11846,7 @@
         </p:nvSpPr>
         <p:spPr>
           <a:xfrm>
-            <a:off x="9116303" y="121549"/>
+            <a:off x="9116303" y="95670"/>
             <a:ext cx="3144252" cy="1045671"/>
           </a:xfrm>
           <a:prstGeom prst="rect">
@@ -11961,7 +11961,7 @@
     <mc:Choice Requires="p14">
       <p:transition/>
     </mc:Choice>
-    <mc:Fallback xmlns:dsp="http://schemas.microsoft.com/office/drawing/2008/diagram" xmlns:dgm="http://schemas.openxmlformats.org/drawingml/2006/diagram" xmlns:c="http://schemas.openxmlformats.org/drawingml/2006/chart" xmlns="">
+    <mc:Fallback xmlns="" xmlns:c="http://schemas.openxmlformats.org/drawingml/2006/chart" xmlns:dgm="http://schemas.openxmlformats.org/drawingml/2006/diagram" xmlns:dsp="http://schemas.microsoft.com/office/drawing/2008/diagram">
       <p:transition/>
     </mc:Fallback>
   </mc:AlternateContent>
@@ -15338,7 +15338,7 @@
     <mc:Choice Requires="p14">
       <p:transition/>
     </mc:Choice>
-    <mc:Fallback xmlns:dsp="http://schemas.microsoft.com/office/drawing/2008/diagram" xmlns:dgm="http://schemas.openxmlformats.org/drawingml/2006/diagram" xmlns:c="http://schemas.openxmlformats.org/drawingml/2006/chart" xmlns="">
+    <mc:Fallback xmlns="" xmlns:c="http://schemas.openxmlformats.org/drawingml/2006/chart" xmlns:dgm="http://schemas.openxmlformats.org/drawingml/2006/diagram" xmlns:dsp="http://schemas.microsoft.com/office/drawing/2008/diagram">
       <p:transition/>
     </mc:Fallback>
   </mc:AlternateContent>
@@ -15418,7 +15418,7 @@
             <a:pPr algn="ctr">
               <a:defRPr/>
             </a:pPr>
-            <a:endParaRPr lang="ko-KR" altLang="en-US"/>
+            <a:endParaRPr lang="ko-KR" altLang="en-US" dirty="0"/>
           </a:p>
         </p:txBody>
       </p:sp>
@@ -15938,7 +15938,7 @@
     <mc:Choice Requires="p14">
       <p:transition/>
     </mc:Choice>
-    <mc:Fallback xmlns:dsp="http://schemas.microsoft.com/office/drawing/2008/diagram" xmlns:dgm="http://schemas.openxmlformats.org/drawingml/2006/diagram" xmlns:c="http://schemas.openxmlformats.org/drawingml/2006/chart" xmlns="">
+    <mc:Fallback xmlns="" xmlns:c="http://schemas.openxmlformats.org/drawingml/2006/chart" xmlns:dgm="http://schemas.openxmlformats.org/drawingml/2006/diagram" xmlns:dsp="http://schemas.microsoft.com/office/drawing/2008/diagram">
       <p:transition/>
     </mc:Fallback>
   </mc:AlternateContent>
@@ -16276,7 +16276,7 @@
     <mc:Choice Requires="p14">
       <p:transition/>
     </mc:Choice>
-    <mc:Fallback xmlns:dsp="http://schemas.microsoft.com/office/drawing/2008/diagram" xmlns:dgm="http://schemas.openxmlformats.org/drawingml/2006/diagram" xmlns:c="http://schemas.openxmlformats.org/drawingml/2006/chart" xmlns="">
+    <mc:Fallback xmlns="" xmlns:c="http://schemas.openxmlformats.org/drawingml/2006/chart" xmlns:dgm="http://schemas.openxmlformats.org/drawingml/2006/diagram" xmlns:dsp="http://schemas.microsoft.com/office/drawing/2008/diagram">
       <p:transition/>
     </mc:Fallback>
   </mc:AlternateContent>
@@ -16982,7 +16982,7 @@
     <mc:Choice Requires="p14">
       <p:transition/>
     </mc:Choice>
-    <mc:Fallback xmlns:dsp="http://schemas.microsoft.com/office/drawing/2008/diagram" xmlns:dgm="http://schemas.openxmlformats.org/drawingml/2006/diagram" xmlns:c="http://schemas.openxmlformats.org/drawingml/2006/chart" xmlns="">
+    <mc:Fallback xmlns="" xmlns:c="http://schemas.openxmlformats.org/drawingml/2006/chart" xmlns:dgm="http://schemas.openxmlformats.org/drawingml/2006/diagram" xmlns:dsp="http://schemas.microsoft.com/office/drawing/2008/diagram">
       <p:transition/>
     </mc:Fallback>
   </mc:AlternateContent>
@@ -17692,7 +17692,7 @@
     <mc:Choice Requires="p14">
       <p:transition/>
     </mc:Choice>
-    <mc:Fallback xmlns:dsp="http://schemas.microsoft.com/office/drawing/2008/diagram" xmlns:dgm="http://schemas.openxmlformats.org/drawingml/2006/diagram" xmlns:c="http://schemas.openxmlformats.org/drawingml/2006/chart" xmlns="">
+    <mc:Fallback xmlns="" xmlns:c="http://schemas.openxmlformats.org/drawingml/2006/chart" xmlns:dgm="http://schemas.openxmlformats.org/drawingml/2006/diagram" xmlns:dsp="http://schemas.microsoft.com/office/drawing/2008/diagram">
       <p:transition/>
     </mc:Fallback>
   </mc:AlternateContent>
@@ -17724,7 +17724,7 @@
         </p:nvSpPr>
         <p:spPr>
           <a:xfrm>
-            <a:off x="4510087" y="3351998"/>
+            <a:off x="4510087" y="3231232"/>
             <a:ext cx="3171825" cy="522772"/>
           </a:xfrm>
           <a:prstGeom prst="rect">
@@ -17786,10 +17786,10 @@
       </p:sp>
       <p:sp>
         <p:nvSpPr>
-          <p:cNvPr id="6" name="직사각형 5">
+          <p:cNvPr id="4" name="직사각형 3">
             <a:extLst>
               <a:ext uri="{FF2B5EF4-FFF2-40B4-BE49-F238E27FC236}">
-                <a16:creationId xmlns:a16="http://schemas.microsoft.com/office/drawing/2014/main" id="{10B25FCC-68EF-4E98-A1EA-D8EFB6788676}"/>
+                <a16:creationId xmlns:a16="http://schemas.microsoft.com/office/drawing/2014/main" id="{62D81A71-8E45-4CFC-B2CD-A96D588AB65A}"/>
               </a:ext>
             </a:extLst>
           </p:cNvPr>
@@ -17798,13 +17798,20 @@
         </p:nvSpPr>
         <p:spPr>
           <a:xfrm>
-            <a:off x="4382219" y="1966823"/>
-            <a:ext cx="3392051" cy="3424686"/>
+            <a:off x="4382219" y="1549799"/>
+            <a:ext cx="3392051" cy="3841710"/>
           </a:xfrm>
           <a:prstGeom prst="rect">
             <a:avLst/>
           </a:prstGeom>
           <a:noFill/>
+          <a:effectLst>
+            <a:innerShdw blurRad="63500" dist="50800">
+              <a:prstClr val="black">
+                <a:alpha val="50000"/>
+              </a:prstClr>
+            </a:innerShdw>
+          </a:effectLst>
         </p:spPr>
         <p:style>
           <a:lnRef idx="2">
@@ -17840,7 +17847,7 @@
     <mc:Choice Requires="p14">
       <p:transition/>
     </mc:Choice>
-    <mc:Fallback xmlns:dsp="http://schemas.microsoft.com/office/drawing/2008/diagram" xmlns:dgm="http://schemas.openxmlformats.org/drawingml/2006/diagram" xmlns:c="http://schemas.openxmlformats.org/drawingml/2006/chart" xmlns="">
+    <mc:Fallback xmlns="" xmlns:c="http://schemas.openxmlformats.org/drawingml/2006/chart" xmlns:dgm="http://schemas.openxmlformats.org/drawingml/2006/diagram" xmlns:dsp="http://schemas.microsoft.com/office/drawing/2008/diagram">
       <p:transition/>
     </mc:Fallback>
   </mc:AlternateContent>
@@ -17920,7 +17927,7 @@
             <a:pPr algn="ctr">
               <a:defRPr/>
             </a:pPr>
-            <a:endParaRPr lang="ko-KR" altLang="en-US"/>
+            <a:endParaRPr lang="ko-KR" altLang="en-US" dirty="0"/>
           </a:p>
         </p:txBody>
       </p:sp>
@@ -18506,7 +18513,7 @@
     <mc:Choice Requires="p14">
       <p:transition/>
     </mc:Choice>
-    <mc:Fallback xmlns:dsp="http://schemas.microsoft.com/office/drawing/2008/diagram" xmlns:dgm="http://schemas.openxmlformats.org/drawingml/2006/diagram" xmlns:c="http://schemas.openxmlformats.org/drawingml/2006/chart" xmlns="">
+    <mc:Fallback xmlns="" xmlns:c="http://schemas.openxmlformats.org/drawingml/2006/chart" xmlns:dgm="http://schemas.openxmlformats.org/drawingml/2006/diagram" xmlns:dsp="http://schemas.microsoft.com/office/drawing/2008/diagram">
       <p:transition/>
     </mc:Fallback>
   </mc:AlternateContent>
@@ -18586,7 +18593,7 @@
             <a:pPr algn="ctr">
               <a:defRPr/>
             </a:pPr>
-            <a:endParaRPr lang="ko-KR" altLang="en-US"/>
+            <a:endParaRPr lang="ko-KR" altLang="en-US" dirty="0"/>
           </a:p>
         </p:txBody>
       </p:sp>
@@ -19485,7 +19492,7 @@
     <mc:Choice Requires="p14">
       <p:transition/>
     </mc:Choice>
-    <mc:Fallback xmlns:dsp="http://schemas.microsoft.com/office/drawing/2008/diagram" xmlns:dgm="http://schemas.openxmlformats.org/drawingml/2006/diagram" xmlns:c="http://schemas.openxmlformats.org/drawingml/2006/chart" xmlns="">
+    <mc:Fallback xmlns="" xmlns:c="http://schemas.openxmlformats.org/drawingml/2006/chart" xmlns:dgm="http://schemas.openxmlformats.org/drawingml/2006/diagram" xmlns:dsp="http://schemas.microsoft.com/office/drawing/2008/diagram">
       <p:transition/>
     </mc:Fallback>
   </mc:AlternateContent>
@@ -19565,7 +19572,7 @@
             <a:pPr algn="ctr">
               <a:defRPr/>
             </a:pPr>
-            <a:endParaRPr lang="ko-KR" altLang="en-US"/>
+            <a:endParaRPr lang="ko-KR" altLang="en-US" dirty="0"/>
           </a:p>
         </p:txBody>
       </p:sp>
@@ -20336,7 +20343,7 @@
     <mc:Choice Requires="p14">
       <p:transition/>
     </mc:Choice>
-    <mc:Fallback xmlns:dsp="http://schemas.microsoft.com/office/drawing/2008/diagram" xmlns:dgm="http://schemas.openxmlformats.org/drawingml/2006/diagram" xmlns:c="http://schemas.openxmlformats.org/drawingml/2006/chart" xmlns="">
+    <mc:Fallback xmlns="" xmlns:c="http://schemas.openxmlformats.org/drawingml/2006/chart" xmlns:dgm="http://schemas.openxmlformats.org/drawingml/2006/diagram" xmlns:dsp="http://schemas.microsoft.com/office/drawing/2008/diagram">
       <p:transition/>
     </mc:Fallback>
   </mc:AlternateContent>
@@ -21633,7 +21640,7 @@
     <mc:Choice Requires="p14">
       <p:transition/>
     </mc:Choice>
-    <mc:Fallback xmlns:dsp="http://schemas.microsoft.com/office/drawing/2008/diagram" xmlns:dgm="http://schemas.openxmlformats.org/drawingml/2006/diagram" xmlns:c="http://schemas.openxmlformats.org/drawingml/2006/chart" xmlns="">
+    <mc:Fallback xmlns="" xmlns:c="http://schemas.openxmlformats.org/drawingml/2006/chart" xmlns:dgm="http://schemas.openxmlformats.org/drawingml/2006/diagram" xmlns:dsp="http://schemas.microsoft.com/office/drawing/2008/diagram">
       <p:transition/>
     </mc:Fallback>
   </mc:AlternateContent>
@@ -22651,7 +22658,7 @@
     <mc:Choice Requires="p14">
       <p:transition/>
     </mc:Choice>
-    <mc:Fallback xmlns:dsp="http://schemas.microsoft.com/office/drawing/2008/diagram" xmlns:dgm="http://schemas.openxmlformats.org/drawingml/2006/diagram" xmlns:c="http://schemas.openxmlformats.org/drawingml/2006/chart" xmlns="">
+    <mc:Fallback xmlns="" xmlns:c="http://schemas.openxmlformats.org/drawingml/2006/chart" xmlns:dgm="http://schemas.openxmlformats.org/drawingml/2006/diagram" xmlns:dsp="http://schemas.microsoft.com/office/drawing/2008/diagram">
       <p:transition/>
     </mc:Fallback>
   </mc:AlternateContent>
@@ -23669,7 +23676,7 @@
     <mc:Choice Requires="p14">
       <p:transition/>
     </mc:Choice>
-    <mc:Fallback xmlns:dsp="http://schemas.microsoft.com/office/drawing/2008/diagram" xmlns:dgm="http://schemas.openxmlformats.org/drawingml/2006/diagram" xmlns:c="http://schemas.openxmlformats.org/drawingml/2006/chart" xmlns="">
+    <mc:Fallback xmlns="" xmlns:c="http://schemas.openxmlformats.org/drawingml/2006/chart" xmlns:dgm="http://schemas.openxmlformats.org/drawingml/2006/diagram" xmlns:dsp="http://schemas.microsoft.com/office/drawing/2008/diagram">
       <p:transition/>
     </mc:Fallback>
   </mc:AlternateContent>
@@ -24400,7 +24407,7 @@
     <mc:Choice Requires="p14">
       <p:transition/>
     </mc:Choice>
-    <mc:Fallback xmlns:dsp="http://schemas.microsoft.com/office/drawing/2008/diagram" xmlns:dgm="http://schemas.openxmlformats.org/drawingml/2006/diagram" xmlns:c="http://schemas.openxmlformats.org/drawingml/2006/chart" xmlns="">
+    <mc:Fallback xmlns="" xmlns:c="http://schemas.openxmlformats.org/drawingml/2006/chart" xmlns:dgm="http://schemas.openxmlformats.org/drawingml/2006/diagram" xmlns:dsp="http://schemas.microsoft.com/office/drawing/2008/diagram">
       <p:transition/>
     </mc:Fallback>
   </mc:AlternateContent>
